--- a/Deliverable3/Deliverable3.pptx
+++ b/Deliverable3/Deliverable3.pptx
@@ -7642,8 +7642,8 @@
         </p:nvSpPr>
         <p:spPr>
           <a:xfrm>
-            <a:off x="6279176" y="3782839"/>
-            <a:ext cx="4937760" cy="1559401"/>
+            <a:off x="6234786" y="3697428"/>
+            <a:ext cx="4937760" cy="1158266"/>
           </a:xfrm>
           <a:prstGeom prst="rect">
             <a:avLst/>
@@ -7725,44 +7725,6 @@
                 <a:cs typeface="+mn-cs"/>
               </a:rPr>
               <a:t> backups</a:t>
-            </a:r>
-          </a:p>
-          <a:p>
-            <a:pPr marL="285750" marR="0" lvl="0" indent="-285750" algn="l" defTabSz="914400" rtl="0" eaLnBrk="1" fontAlgn="auto" latinLnBrk="0" hangingPunct="1">
-              <a:lnSpc>
-                <a:spcPct val="90000"/>
-              </a:lnSpc>
-              <a:spcBef>
-                <a:spcPts val="1200"/>
-              </a:spcBef>
-              <a:spcAft>
-                <a:spcPts val="200"/>
-              </a:spcAft>
-              <a:buClr>
-                <a:srgbClr val="1CADE4"/>
-              </a:buClr>
-              <a:buSzPct val="110000"/>
-              <a:buFont typeface="Wingdings" panose="05000000000000000000" pitchFamily="2" charset="2"/>
-              <a:buChar char=""/>
-              <a:tabLst/>
-              <a:defRPr/>
-            </a:pPr>
-            <a:r>
-              <a:rPr kumimoji="0" lang="it-IT" sz="1600" b="0" i="0" u="none" strike="noStrike" kern="1200" cap="none" spc="0" normalizeH="0" baseline="0" dirty="0">
-                <a:ln>
-                  <a:noFill/>
-                </a:ln>
-                <a:solidFill>
-                  <a:srgbClr val="2E3234"/>
-                </a:solidFill>
-                <a:effectLst/>
-                <a:uLnTx/>
-                <a:uFillTx/>
-                <a:latin typeface="-apple-system"/>
-                <a:ea typeface="+mn-ea"/>
-                <a:cs typeface="+mn-cs"/>
-              </a:rPr>
-              <a:t>Non offre supporto nativo per XML o OLAP</a:t>
             </a:r>
           </a:p>
           <a:p>
@@ -8514,341 +8476,6 @@
           </a:p>
         </p:txBody>
       </p:sp>
-      <p:sp>
-        <p:nvSpPr>
-          <p:cNvPr id="13" name="Segnaposto contenuto 2">
-            <a:extLst>
-              <a:ext uri="{FF2B5EF4-FFF2-40B4-BE49-F238E27FC236}">
-                <a16:creationId xmlns:a16="http://schemas.microsoft.com/office/drawing/2014/main" id="{00D26E8C-6337-469B-89C6-C205EEB40797}"/>
-              </a:ext>
-            </a:extLst>
-          </p:cNvPr>
-          <p:cNvSpPr txBox="1">
-            <a:spLocks/>
-          </p:cNvSpPr>
-          <p:nvPr/>
-        </p:nvSpPr>
-        <p:spPr>
-          <a:xfrm>
-            <a:off x="5045499" y="2032695"/>
-            <a:ext cx="727968" cy="2725736"/>
-          </a:xfrm>
-          <a:prstGeom prst="rect">
-            <a:avLst/>
-          </a:prstGeom>
-        </p:spPr>
-        <p:txBody>
-          <a:bodyPr vert="horz" lIns="0" tIns="45720" rIns="0" bIns="45720" rtlCol="0">
-            <a:normAutofit/>
-          </a:bodyPr>
-          <a:lstStyle>
-            <a:lvl1pPr marL="91440" indent="-91440" algn="l" defTabSz="914400" rtl="0" eaLnBrk="1" latinLnBrk="0" hangingPunct="1">
-              <a:lnSpc>
-                <a:spcPct val="90000"/>
-              </a:lnSpc>
-              <a:spcBef>
-                <a:spcPts val="1200"/>
-              </a:spcBef>
-              <a:spcAft>
-                <a:spcPts val="200"/>
-              </a:spcAft>
-              <a:buClr>
-                <a:schemeClr val="accent1"/>
-              </a:buClr>
-              <a:buSzPct val="100000"/>
-              <a:buFont typeface="Calibri" panose="020F0502020204030204" pitchFamily="34" charset="0"/>
-              <a:buChar char=" "/>
-              <a:defRPr sz="2000" kern="1200">
-                <a:solidFill>
-                  <a:schemeClr val="tx1">
-                    <a:lumMod val="75000"/>
-                    <a:lumOff val="25000"/>
-                  </a:schemeClr>
-                </a:solidFill>
-                <a:latin typeface="+mn-lt"/>
-                <a:ea typeface="+mn-ea"/>
-                <a:cs typeface="+mn-cs"/>
-              </a:defRPr>
-            </a:lvl1pPr>
-            <a:lvl2pPr marL="384048" indent="-182880" algn="l" defTabSz="914400" rtl="0" eaLnBrk="1" latinLnBrk="0" hangingPunct="1">
-              <a:lnSpc>
-                <a:spcPct val="90000"/>
-              </a:lnSpc>
-              <a:spcBef>
-                <a:spcPts val="200"/>
-              </a:spcBef>
-              <a:spcAft>
-                <a:spcPts val="400"/>
-              </a:spcAft>
-              <a:buClr>
-                <a:schemeClr val="accent1"/>
-              </a:buClr>
-              <a:buFont typeface="Calibri" pitchFamily="34" charset="0"/>
-              <a:buChar char="◦"/>
-              <a:defRPr sz="1800" kern="1200">
-                <a:solidFill>
-                  <a:schemeClr val="tx1">
-                    <a:lumMod val="75000"/>
-                    <a:lumOff val="25000"/>
-                  </a:schemeClr>
-                </a:solidFill>
-                <a:latin typeface="+mn-lt"/>
-                <a:ea typeface="+mn-ea"/>
-                <a:cs typeface="+mn-cs"/>
-              </a:defRPr>
-            </a:lvl2pPr>
-            <a:lvl3pPr marL="566928" indent="-182880" algn="l" defTabSz="914400" rtl="0" eaLnBrk="1" latinLnBrk="0" hangingPunct="1">
-              <a:lnSpc>
-                <a:spcPct val="90000"/>
-              </a:lnSpc>
-              <a:spcBef>
-                <a:spcPts val="200"/>
-              </a:spcBef>
-              <a:spcAft>
-                <a:spcPts val="400"/>
-              </a:spcAft>
-              <a:buClr>
-                <a:schemeClr val="accent1"/>
-              </a:buClr>
-              <a:buFont typeface="Calibri" pitchFamily="34" charset="0"/>
-              <a:buChar char="◦"/>
-              <a:defRPr sz="1400" kern="1200">
-                <a:solidFill>
-                  <a:schemeClr val="tx1">
-                    <a:lumMod val="75000"/>
-                    <a:lumOff val="25000"/>
-                  </a:schemeClr>
-                </a:solidFill>
-                <a:latin typeface="+mn-lt"/>
-                <a:ea typeface="+mn-ea"/>
-                <a:cs typeface="+mn-cs"/>
-              </a:defRPr>
-            </a:lvl3pPr>
-            <a:lvl4pPr marL="749808" indent="-182880" algn="l" defTabSz="914400" rtl="0" eaLnBrk="1" latinLnBrk="0" hangingPunct="1">
-              <a:lnSpc>
-                <a:spcPct val="90000"/>
-              </a:lnSpc>
-              <a:spcBef>
-                <a:spcPts val="200"/>
-              </a:spcBef>
-              <a:spcAft>
-                <a:spcPts val="400"/>
-              </a:spcAft>
-              <a:buClr>
-                <a:schemeClr val="accent1"/>
-              </a:buClr>
-              <a:buFont typeface="Calibri" pitchFamily="34" charset="0"/>
-              <a:buChar char="◦"/>
-              <a:defRPr sz="1400" kern="1200">
-                <a:solidFill>
-                  <a:schemeClr val="tx1">
-                    <a:lumMod val="75000"/>
-                    <a:lumOff val="25000"/>
-                  </a:schemeClr>
-                </a:solidFill>
-                <a:latin typeface="+mn-lt"/>
-                <a:ea typeface="+mn-ea"/>
-                <a:cs typeface="+mn-cs"/>
-              </a:defRPr>
-            </a:lvl4pPr>
-            <a:lvl5pPr marL="932688" indent="-182880" algn="l" defTabSz="914400" rtl="0" eaLnBrk="1" latinLnBrk="0" hangingPunct="1">
-              <a:lnSpc>
-                <a:spcPct val="90000"/>
-              </a:lnSpc>
-              <a:spcBef>
-                <a:spcPts val="200"/>
-              </a:spcBef>
-              <a:spcAft>
-                <a:spcPts val="400"/>
-              </a:spcAft>
-              <a:buClr>
-                <a:schemeClr val="accent1"/>
-              </a:buClr>
-              <a:buFont typeface="Calibri" pitchFamily="34" charset="0"/>
-              <a:buChar char="◦"/>
-              <a:defRPr sz="1400" kern="1200">
-                <a:solidFill>
-                  <a:schemeClr val="tx1">
-                    <a:lumMod val="75000"/>
-                    <a:lumOff val="25000"/>
-                  </a:schemeClr>
-                </a:solidFill>
-                <a:latin typeface="+mn-lt"/>
-                <a:ea typeface="+mn-ea"/>
-                <a:cs typeface="+mn-cs"/>
-              </a:defRPr>
-            </a:lvl5pPr>
-            <a:lvl6pPr marL="1100000" indent="-228600" algn="l" defTabSz="914400" rtl="0" eaLnBrk="1" latinLnBrk="0" hangingPunct="1">
-              <a:lnSpc>
-                <a:spcPct val="90000"/>
-              </a:lnSpc>
-              <a:spcBef>
-                <a:spcPts val="200"/>
-              </a:spcBef>
-              <a:spcAft>
-                <a:spcPts val="400"/>
-              </a:spcAft>
-              <a:buClr>
-                <a:schemeClr val="accent1"/>
-              </a:buClr>
-              <a:buFont typeface="Calibri" pitchFamily="34" charset="0"/>
-              <a:buChar char="◦"/>
-              <a:defRPr sz="1400" kern="1200">
-                <a:solidFill>
-                  <a:schemeClr val="tx1">
-                    <a:lumMod val="75000"/>
-                    <a:lumOff val="25000"/>
-                  </a:schemeClr>
-                </a:solidFill>
-                <a:latin typeface="+mn-lt"/>
-                <a:ea typeface="+mn-ea"/>
-                <a:cs typeface="+mn-cs"/>
-              </a:defRPr>
-            </a:lvl6pPr>
-            <a:lvl7pPr marL="1300000" indent="-228600" algn="l" defTabSz="914400" rtl="0" eaLnBrk="1" latinLnBrk="0" hangingPunct="1">
-              <a:lnSpc>
-                <a:spcPct val="90000"/>
-              </a:lnSpc>
-              <a:spcBef>
-                <a:spcPts val="200"/>
-              </a:spcBef>
-              <a:spcAft>
-                <a:spcPts val="400"/>
-              </a:spcAft>
-              <a:buClr>
-                <a:schemeClr val="accent1"/>
-              </a:buClr>
-              <a:buFont typeface="Calibri" pitchFamily="34" charset="0"/>
-              <a:buChar char="◦"/>
-              <a:defRPr sz="1400" kern="1200">
-                <a:solidFill>
-                  <a:schemeClr val="tx1">
-                    <a:lumMod val="75000"/>
-                    <a:lumOff val="25000"/>
-                  </a:schemeClr>
-                </a:solidFill>
-                <a:latin typeface="+mn-lt"/>
-                <a:ea typeface="+mn-ea"/>
-                <a:cs typeface="+mn-cs"/>
-              </a:defRPr>
-            </a:lvl7pPr>
-            <a:lvl8pPr marL="1500000" indent="-228600" algn="l" defTabSz="914400" rtl="0" eaLnBrk="1" latinLnBrk="0" hangingPunct="1">
-              <a:lnSpc>
-                <a:spcPct val="90000"/>
-              </a:lnSpc>
-              <a:spcBef>
-                <a:spcPts val="200"/>
-              </a:spcBef>
-              <a:spcAft>
-                <a:spcPts val="400"/>
-              </a:spcAft>
-              <a:buClr>
-                <a:schemeClr val="accent1"/>
-              </a:buClr>
-              <a:buFont typeface="Calibri" pitchFamily="34" charset="0"/>
-              <a:buChar char="◦"/>
-              <a:defRPr sz="1400" kern="1200">
-                <a:solidFill>
-                  <a:schemeClr val="tx1">
-                    <a:lumMod val="75000"/>
-                    <a:lumOff val="25000"/>
-                  </a:schemeClr>
-                </a:solidFill>
-                <a:latin typeface="+mn-lt"/>
-                <a:ea typeface="+mn-ea"/>
-                <a:cs typeface="+mn-cs"/>
-              </a:defRPr>
-            </a:lvl8pPr>
-            <a:lvl9pPr marL="1700000" indent="-228600" algn="l" defTabSz="914400" rtl="0" eaLnBrk="1" latinLnBrk="0" hangingPunct="1">
-              <a:lnSpc>
-                <a:spcPct val="90000"/>
-              </a:lnSpc>
-              <a:spcBef>
-                <a:spcPts val="200"/>
-              </a:spcBef>
-              <a:spcAft>
-                <a:spcPts val="400"/>
-              </a:spcAft>
-              <a:buClr>
-                <a:schemeClr val="accent1"/>
-              </a:buClr>
-              <a:buFont typeface="Calibri" pitchFamily="34" charset="0"/>
-              <a:buChar char="◦"/>
-              <a:defRPr sz="1400" kern="1200">
-                <a:solidFill>
-                  <a:schemeClr val="tx1">
-                    <a:lumMod val="75000"/>
-                    <a:lumOff val="25000"/>
-                  </a:schemeClr>
-                </a:solidFill>
-                <a:latin typeface="+mn-lt"/>
-                <a:ea typeface="+mn-ea"/>
-                <a:cs typeface="+mn-cs"/>
-              </a:defRPr>
-            </a:lvl9pPr>
-          </a:lstStyle>
-          <a:p>
-            <a:pPr marL="0" indent="0" algn="r">
-              <a:buNone/>
-            </a:pPr>
-            <a:r>
-              <a:rPr lang="it-IT" dirty="0"/>
-              <a:t>0.0</a:t>
-            </a:r>
-          </a:p>
-          <a:p>
-            <a:pPr marL="0" indent="0" algn="r">
-              <a:buNone/>
-            </a:pPr>
-            <a:r>
-              <a:rPr lang="it-IT" dirty="0"/>
-              <a:t>0.5</a:t>
-            </a:r>
-          </a:p>
-          <a:p>
-            <a:pPr marL="0" indent="0" algn="r">
-              <a:buNone/>
-            </a:pPr>
-            <a:r>
-              <a:rPr lang="it-IT" dirty="0"/>
-              <a:t>-0.3</a:t>
-            </a:r>
-          </a:p>
-          <a:p>
-            <a:pPr marL="0" indent="0" algn="r">
-              <a:buNone/>
-            </a:pPr>
-            <a:r>
-              <a:rPr lang="it-IT" dirty="0"/>
-              <a:t>0.9</a:t>
-            </a:r>
-          </a:p>
-          <a:p>
-            <a:pPr marL="0" indent="0" algn="r">
-              <a:buNone/>
-            </a:pPr>
-            <a:r>
-              <a:rPr lang="it-IT" dirty="0"/>
-              <a:t>0.2</a:t>
-            </a:r>
-          </a:p>
-          <a:p>
-            <a:pPr marL="0" indent="0" algn="r">
-              <a:buNone/>
-            </a:pPr>
-            <a:r>
-              <a:rPr lang="it-IT" dirty="0"/>
-              <a:t>0.5</a:t>
-            </a:r>
-          </a:p>
-          <a:p>
-            <a:pPr marL="0" indent="0" algn="ctr">
-              <a:buNone/>
-            </a:pPr>
-            <a:endParaRPr lang="it-IT" dirty="0"/>
-          </a:p>
-        </p:txBody>
-      </p:sp>
     </p:spTree>
     <p:extLst>
       <p:ext uri="{BB962C8B-B14F-4D97-AF65-F5344CB8AC3E}">
@@ -9021,7 +8648,7 @@
         </p:nvSpPr>
         <p:spPr>
           <a:xfrm>
-            <a:off x="6279176" y="3782839"/>
+            <a:off x="6279176" y="3667429"/>
             <a:ext cx="4937760" cy="1781000"/>
           </a:xfrm>
           <a:prstGeom prst="rect">
@@ -10251,8 +9878,8 @@
           </a:p>
         </p:txBody>
       </p:sp>
-      <mc:AlternateContent xmlns:mc="http://schemas.openxmlformats.org/markup-compatibility/2006" xmlns:a14="http://schemas.microsoft.com/office/drawing/2010/main">
-        <mc:Choice Requires="a14">
+      <mc:AlternateContent xmlns:mc="http://schemas.openxmlformats.org/markup-compatibility/2006">
+        <mc:Choice xmlns:a14="http://schemas.microsoft.com/office/drawing/2010/main" Requires="a14">
           <p:sp>
             <p:nvSpPr>
               <p:cNvPr id="3" name="Segnaposto contenuto 2">
@@ -10383,13 +10010,25 @@
                       <a:rPr lang="it-IT" sz="1600" i="1" dirty="0">
                         <a:latin typeface="Cambria Math" panose="02040503050406030204" pitchFamily="18" charset="0"/>
                       </a:rPr>
-                      <m:t>∗0.</m:t>
+                      <m:t>∗</m:t>
                     </m:r>
                     <m:r>
                       <a:rPr lang="it-IT" sz="1600" b="0" i="1" dirty="0" smtClean="0">
                         <a:latin typeface="Cambria Math" panose="02040503050406030204" pitchFamily="18" charset="0"/>
                       </a:rPr>
-                      <m:t>9</m:t>
+                      <m:t>1</m:t>
+                    </m:r>
+                    <m:r>
+                      <a:rPr lang="it-IT" sz="1600" i="1" dirty="0">
+                        <a:latin typeface="Cambria Math" panose="02040503050406030204" pitchFamily="18" charset="0"/>
+                      </a:rPr>
+                      <m:t>.</m:t>
+                    </m:r>
+                    <m:r>
+                      <a:rPr lang="it-IT" sz="1600" b="0" i="1" dirty="0" smtClean="0">
+                        <a:latin typeface="Cambria Math" panose="02040503050406030204" pitchFamily="18" charset="0"/>
+                      </a:rPr>
+                      <m:t>0</m:t>
                     </m:r>
                     <m:r>
                       <a:rPr lang="it-IT" sz="1600" i="1" dirty="0">
@@ -10401,7 +10040,7 @@
                       <a:rPr lang="it-IT" sz="1600" b="0" i="1" dirty="0" smtClean="0">
                         <a:latin typeface="Cambria Math" panose="02040503050406030204" pitchFamily="18" charset="0"/>
                       </a:rPr>
-                      <m:t>2</m:t>
+                      <m:t>5</m:t>
                     </m:r>
                     <m:r>
                       <a:rPr lang="it-IT" sz="1600" i="1" dirty="0">
@@ -10419,7 +10058,19 @@
                       <a:rPr lang="it-IT" sz="1600" i="1" dirty="0">
                         <a:latin typeface="Cambria Math" panose="02040503050406030204" pitchFamily="18" charset="0"/>
                       </a:rPr>
-                      <m:t>∗0.5)∗(1−</m:t>
+                      <m:t>∗0.</m:t>
+                    </m:r>
+                    <m:r>
+                      <a:rPr lang="it-IT" sz="1600" b="0" i="1" dirty="0" smtClean="0">
+                        <a:latin typeface="Cambria Math" panose="02040503050406030204" pitchFamily="18" charset="0"/>
+                      </a:rPr>
+                      <m:t>7</m:t>
+                    </m:r>
+                    <m:r>
+                      <a:rPr lang="it-IT" sz="1600" i="1" dirty="0">
+                        <a:latin typeface="Cambria Math" panose="02040503050406030204" pitchFamily="18" charset="0"/>
+                      </a:rPr>
+                      <m:t>)∗(1−</m:t>
                     </m:r>
                     <m:r>
                       <a:rPr lang="it-IT" sz="1600" b="0" i="1" dirty="0" smtClean="0">
@@ -10440,7 +10091,7 @@
             </p:txBody>
           </p:sp>
         </mc:Choice>
-        <mc:Fallback xmlns="">
+        <mc:Fallback>
           <p:sp>
             <p:nvSpPr>
               <p:cNvPr id="3" name="Segnaposto contenuto 2">
@@ -11058,8 +10709,8 @@
           </p:sp>
         </mc:Fallback>
       </mc:AlternateContent>
-      <mc:AlternateContent xmlns:mc="http://schemas.openxmlformats.org/markup-compatibility/2006" xmlns:a14="http://schemas.microsoft.com/office/drawing/2010/main">
-        <mc:Choice Requires="a14">
+      <mc:AlternateContent xmlns:mc="http://schemas.openxmlformats.org/markup-compatibility/2006">
+        <mc:Choice xmlns:a14="http://schemas.microsoft.com/office/drawing/2010/main" Requires="a14">
           <p:sp>
             <p:nvSpPr>
               <p:cNvPr id="10" name="Segnaposto contenuto 2">
@@ -11375,7 +11026,7 @@
                       <a:rPr lang="it-IT" sz="1600" b="1" i="1" dirty="0" smtClean="0">
                         <a:latin typeface="Cambria Math" panose="02040503050406030204" pitchFamily="18" charset="0"/>
                       </a:rPr>
-                      <m:t>𝟏𝟗</m:t>
+                      <m:t>𝟐𝟕</m:t>
                     </m:r>
                     <m:r>
                       <a:rPr lang="it-IT" sz="1600" b="1" i="1" dirty="0" smtClean="0">
@@ -11387,7 +11038,7 @@
                       <a:rPr lang="it-IT" sz="1600" b="1" i="1" dirty="0" smtClean="0">
                         <a:latin typeface="Cambria Math" panose="02040503050406030204" pitchFamily="18" charset="0"/>
                       </a:rPr>
-                      <m:t>𝟑𝟓</m:t>
+                      <m:t>𝟖𝟏</m:t>
                     </m:r>
                   </m:oMath>
                 </a14:m>
@@ -11396,7 +11047,7 @@
             </p:txBody>
           </p:sp>
         </mc:Choice>
-        <mc:Fallback xmlns="">
+        <mc:Fallback>
           <p:sp>
             <p:nvSpPr>
               <p:cNvPr id="10" name="Segnaposto contenuto 2">
@@ -14072,8 +13723,8 @@
           </p:sp>
         </mc:Fallback>
       </mc:AlternateContent>
-      <mc:AlternateContent xmlns:mc="http://schemas.openxmlformats.org/markup-compatibility/2006" xmlns:a14="http://schemas.microsoft.com/office/drawing/2010/main">
-        <mc:Choice Requires="a14">
+      <mc:AlternateContent xmlns:mc="http://schemas.openxmlformats.org/markup-compatibility/2006">
+        <mc:Choice xmlns:a14="http://schemas.microsoft.com/office/drawing/2010/main" Requires="a14">
           <p:sp>
             <p:nvSpPr>
               <p:cNvPr id="13" name="Segnaposto contenuto 2">
@@ -14469,7 +14120,25 @@
                       <a:rPr lang="it-IT" b="0" i="0" dirty="0" smtClean="0">
                         <a:latin typeface="Cambria Math" panose="02040503050406030204" pitchFamily="18" charset="0"/>
                       </a:rPr>
-                      <m:t>=19.35</m:t>
+                      <m:t>=</m:t>
+                    </m:r>
+                    <m:r>
+                      <a:rPr lang="it-IT" b="0" i="0" dirty="0" smtClean="0">
+                        <a:latin typeface="Cambria Math" panose="02040503050406030204" pitchFamily="18" charset="0"/>
+                      </a:rPr>
+                      <m:t>27</m:t>
+                    </m:r>
+                    <m:r>
+                      <a:rPr lang="it-IT" b="0" i="0" dirty="0" smtClean="0">
+                        <a:latin typeface="Cambria Math" panose="02040503050406030204" pitchFamily="18" charset="0"/>
+                      </a:rPr>
+                      <m:t>.</m:t>
+                    </m:r>
+                    <m:r>
+                      <a:rPr lang="it-IT" b="0" i="0" dirty="0" smtClean="0">
+                        <a:latin typeface="Cambria Math" panose="02040503050406030204" pitchFamily="18" charset="0"/>
+                      </a:rPr>
+                      <m:t>81</m:t>
                     </m:r>
                   </m:oMath>
                 </a14:m>
@@ -14481,7 +14150,7 @@
             </p:txBody>
           </p:sp>
         </mc:Choice>
-        <mc:Fallback xmlns="">
+        <mc:Fallback>
           <p:sp>
             <p:nvSpPr>
               <p:cNvPr id="13" name="Segnaposto contenuto 2">
@@ -15705,7 +15374,7 @@
             </p:spPr>
             <p:txBody>
               <a:bodyPr vert="horz" lIns="0" tIns="45720" rIns="0" bIns="45720" rtlCol="0">
-                <a:normAutofit fontScale="85000" lnSpcReduction="20000"/>
+                <a:normAutofit fontScale="92500" lnSpcReduction="20000"/>
               </a:bodyPr>
               <a:lstStyle>
                 <a:lvl1pPr marL="91440" indent="-91440" algn="l" defTabSz="914400" rtl="0" eaLnBrk="1" latinLnBrk="0" hangingPunct="1">
@@ -16086,7 +15755,18 @@
                 </a:pPr>
                 <a:r>
                   <a:rPr lang="it-IT" sz="2100" dirty="0"/>
-                  <a:t>Inferiore del 27% rispetto a MySQL</a:t>
+                  <a:t>Inferiore del </a:t>
+                </a:r>
+                <a:r>
+                  <a:rPr lang="it-IT" sz="2100" dirty="0">
+                    <a:latin typeface="Cambria Math" panose="02040503050406030204" pitchFamily="18" charset="0"/>
+                    <a:ea typeface="Cambria Math" panose="02040503050406030204" pitchFamily="18" charset="0"/>
+                  </a:rPr>
+                  <a:t>27% </a:t>
+                </a:r>
+                <a:r>
+                  <a:rPr lang="it-IT" sz="2100" dirty="0"/>
+                  <a:t>rispetto a MySQL</a:t>
                 </a:r>
               </a:p>
               <a:p>
@@ -16106,7 +15786,7 @@
                 </a:r>
                 <a:r>
                   <a:rPr lang="it-IT" sz="2600" dirty="0"/>
-                  <a:t> rappresenta invece una alternativa decisamente </a:t>
+                  <a:t> rappresenta invece una alternativa </a:t>
                 </a:r>
                 <a:r>
                   <a:rPr lang="it-IT" sz="2600" i="1" dirty="0"/>
@@ -16114,7 +15794,7 @@
                 </a:r>
                 <a:r>
                   <a:rPr lang="it-IT" sz="2600" dirty="0"/>
-                  <a:t> rispetto alle altre due possibilità</a:t>
+                  <a:t> rispetto alle altre</a:t>
                 </a:r>
               </a:p>
               <a:p>
@@ -16125,7 +15805,7 @@
                 <a14:m>
                   <m:oMath xmlns:m="http://schemas.openxmlformats.org/officeDocument/2006/math">
                     <m:r>
-                      <a:rPr lang="it-IT" sz="2100" b="0" i="1" dirty="0" smtClean="0">
+                      <a:rPr lang="it-IT" sz="1900" b="0" i="1" dirty="0" smtClean="0">
                         <a:latin typeface="Cambria Math" panose="02040503050406030204" pitchFamily="18" charset="0"/>
                       </a:rPr>
                       <m:t>𝐷𝑒𝑠𝑖𝑑𝑒𝑟𝑎𝑏𝑖𝑙𝑖𝑦</m:t>
@@ -16133,20 +15813,20 @@
                     <m:d>
                       <m:dPr>
                         <m:ctrlPr>
-                          <a:rPr lang="it-IT" sz="2100" i="1" dirty="0" smtClean="0">
+                          <a:rPr lang="it-IT" sz="1900" i="1" dirty="0" smtClean="0">
                             <a:latin typeface="Cambria Math" panose="02040503050406030204" pitchFamily="18" charset="0"/>
                           </a:rPr>
                         </m:ctrlPr>
                       </m:dPr>
                       <m:e>
                         <m:r>
-                          <a:rPr lang="it-IT" sz="2100" i="1" smtClean="0">
+                          <a:rPr lang="it-IT" sz="1900" i="1" smtClean="0">
                             <a:latin typeface="Cambria Math" panose="02040503050406030204" pitchFamily="18" charset="0"/>
                           </a:rPr>
                           <m:t>𝑃</m:t>
                         </m:r>
                         <m:r>
-                          <a:rPr lang="it-IT" sz="2100" b="0" i="1" smtClean="0">
+                          <a:rPr lang="it-IT" sz="1900" b="0" i="1" smtClean="0">
                             <a:latin typeface="Cambria Math" panose="02040503050406030204" pitchFamily="18" charset="0"/>
                           </a:rPr>
                           <m:t>𝑜𝑠𝑡𝑔𝑟𝑒𝑆𝑄𝐿</m:t>
@@ -16154,21 +15834,21 @@
                       </m:e>
                     </m:d>
                     <m:r>
-                      <a:rPr lang="it-IT" sz="2100" b="0" i="1" dirty="0" smtClean="0">
+                      <a:rPr lang="it-IT" sz="1900" b="0" i="1" dirty="0" smtClean="0">
                         <a:latin typeface="Cambria Math" panose="02040503050406030204" pitchFamily="18" charset="0"/>
                       </a:rPr>
                       <m:t>=</m:t>
                     </m:r>
                     <m:r>
-                      <a:rPr lang="it-IT" sz="2100" b="0" i="0" dirty="0" smtClean="0">
+                      <a:rPr lang="it-IT" sz="1900" b="0" i="0" dirty="0" smtClean="0">
                         <a:latin typeface="Cambria Math" panose="02040503050406030204" pitchFamily="18" charset="0"/>
                       </a:rPr>
-                      <m:t>19.35</m:t>
+                      <m:t>27.81</m:t>
                     </m:r>
                   </m:oMath>
                 </a14:m>
                 <a:r>
-                  <a:rPr lang="it-IT" sz="2100" dirty="0"/>
+                  <a:rPr lang="it-IT" sz="1900" dirty="0"/>
                   <a:t> </a:t>
                 </a:r>
               </a:p>
@@ -16179,7 +15859,18 @@
                 </a:pPr>
                 <a:r>
                   <a:rPr lang="it-IT" sz="2100" dirty="0"/>
-                  <a:t>Inferiore del 45% rispetto a </a:t>
+                  <a:t>Inferiore del </a:t>
+                </a:r>
+                <a:r>
+                  <a:rPr lang="it-IT" sz="2100" dirty="0">
+                    <a:latin typeface="Cambria Math" panose="02040503050406030204" pitchFamily="18" charset="0"/>
+                    <a:ea typeface="Cambria Math" panose="02040503050406030204" pitchFamily="18" charset="0"/>
+                  </a:rPr>
+                  <a:t>22% </a:t>
+                </a:r>
+                <a:r>
+                  <a:rPr lang="it-IT" sz="2100" dirty="0"/>
+                  <a:t>rispetto a </a:t>
                 </a:r>
                 <a:r>
                   <a:rPr lang="it-IT" sz="2100" dirty="0" err="1"/>
@@ -16194,7 +15885,18 @@
                 </a:pPr>
                 <a:r>
                   <a:rPr lang="it-IT" sz="2100" dirty="0"/>
-                  <a:t>Inferiore del 60% rispetto a MySQL</a:t>
+                  <a:t>Inferiore del </a:t>
+                </a:r>
+                <a:r>
+                  <a:rPr lang="it-IT" sz="2100" dirty="0">
+                    <a:latin typeface="Cambria Math" panose="02040503050406030204" pitchFamily="18" charset="0"/>
+                    <a:ea typeface="Cambria Math" panose="02040503050406030204" pitchFamily="18" charset="0"/>
+                  </a:rPr>
+                  <a:t>41% </a:t>
+                </a:r>
+                <a:r>
+                  <a:rPr lang="it-IT" sz="2100" dirty="0"/>
+                  <a:t>rispetto a MySQL</a:t>
                 </a:r>
               </a:p>
               <a:p>
@@ -16244,7 +15946,7 @@
               <a:blipFill>
                 <a:blip r:embed="rId2"/>
                 <a:stretch>
-                  <a:fillRect l="-1560" t="-2917"/>
+                  <a:fillRect l="-1680" t="-3194" r="-360"/>
                 </a:stretch>
               </a:blipFill>
             </p:spPr>
@@ -19428,7 +19130,7 @@
             </a:pPr>
             <a:r>
               <a:rPr lang="it-IT" dirty="0"/>
-              <a:t>0.9</a:t>
+              <a:t>1.0</a:t>
             </a:r>
           </a:p>
           <a:p>
@@ -19437,7 +19139,7 @@
             </a:pPr>
             <a:r>
               <a:rPr lang="it-IT" dirty="0"/>
-              <a:t>0.2</a:t>
+              <a:t>0.5</a:t>
             </a:r>
           </a:p>
           <a:p>
@@ -19446,7 +19148,7 @@
             </a:pPr>
             <a:r>
               <a:rPr lang="it-IT" dirty="0"/>
-              <a:t>0.5</a:t>
+              <a:t>0.7</a:t>
             </a:r>
           </a:p>
           <a:p>
